--- a/NaQuebrada (1).pptx
+++ b/NaQuebrada (1).pptx
@@ -3134,8 +3134,25 @@
                 <a:latin typeface="Arial Nova"/>
                 <a:cs typeface="Calibri"/>
               </a:rPr>
-              <a:t>O App de entregas dos manos e das manas!</a:t>
-            </a:r>
+              <a:t>O App de entregas dos manos e </a:t>
+            </a:r>
+            <a:r>
+              <a:rPr lang="pt-BR">
+                <a:solidFill>
+                  <a:schemeClr val="bg1"/>
+                </a:solidFill>
+                <a:latin typeface="Arial Nova"/>
+                <a:cs typeface="Calibri"/>
+              </a:rPr>
+              <a:t>das manas!!</a:t>
+            </a:r>
+            <a:endParaRPr lang="pt-BR" dirty="0">
+              <a:solidFill>
+                <a:schemeClr val="bg1"/>
+              </a:solidFill>
+              <a:latin typeface="Arial Nova"/>
+              <a:cs typeface="Calibri"/>
+            </a:endParaRPr>
           </a:p>
         </p:txBody>
       </p:sp>
@@ -3486,6 +3503,21 @@
 </file>
 
 <file path=customXml/item1.xml><?xml version="1.0" encoding="utf-8"?>
+<p:properties xmlns:p="http://schemas.microsoft.com/office/2006/metadata/properties" xmlns:xsi="http://www.w3.org/2001/XMLSchema-instance" xmlns:pc="http://schemas.microsoft.com/office/infopath/2007/PartnerControls">
+  <documentManagement/>
+</p:properties>
+</file>
+
+<file path=customXml/item2.xml><?xml version="1.0" encoding="utf-8"?>
+<?mso-contentType ?>
+<FormTemplates xmlns="http://schemas.microsoft.com/sharepoint/v3/contenttype/forms">
+  <Display>DocumentLibraryForm</Display>
+  <Edit>DocumentLibraryForm</Edit>
+  <New>DocumentLibraryForm</New>
+</FormTemplates>
+</file>
+
+<file path=customXml/item3.xml><?xml version="1.0" encoding="utf-8"?>
 <ct:contentTypeSchema xmlns:ct="http://schemas.microsoft.com/office/2006/metadata/contentType" xmlns:ma="http://schemas.microsoft.com/office/2006/metadata/properties/metaAttributes" ct:_="" ma:_="" ma:contentTypeName="Document" ma:contentTypeID="0x010100F013E31C8341044089C074E8D1882A10" ma:contentTypeVersion="11" ma:contentTypeDescription="Create a new document." ma:contentTypeScope="" ma:versionID="9295178f7de3ebb217cc6309993abdcf">
   <xsd:schema xmlns:xsd="http://www.w3.org/2001/XMLSchema" xmlns:xs="http://www.w3.org/2001/XMLSchema" xmlns:p="http://schemas.microsoft.com/office/2006/metadata/properties" xmlns:ns3="a4572db6-b7f5-484f-9ea2-c08787a26cc9" xmlns:ns4="97c96d0e-3f8a-42a8-8ffa-fbfa9e9644cf" targetNamespace="http://schemas.microsoft.com/office/2006/metadata/properties" ma:root="true" ma:fieldsID="4de244883939467ee7eb8a9351a3e4d6" ns3:_="" ns4:_="">
     <xsd:import namespace="a4572db6-b7f5-484f-9ea2-c08787a26cc9"/>
@@ -3694,22 +3726,32 @@
 </ct:contentTypeSchema>
 </file>
 
-<file path=customXml/item2.xml><?xml version="1.0" encoding="utf-8"?>
-<?mso-contentType ?>
-<FormTemplates xmlns="http://schemas.microsoft.com/sharepoint/v3/contenttype/forms">
-  <Display>DocumentLibraryForm</Display>
-  <Edit>DocumentLibraryForm</Edit>
-  <New>DocumentLibraryForm</New>
-</FormTemplates>
+<file path=customXml/itemProps1.xml><?xml version="1.0" encoding="utf-8"?>
+<ds:datastoreItem xmlns:ds="http://schemas.openxmlformats.org/officeDocument/2006/customXml" ds:itemID="{7F08A2C0-C0A5-4CB4-BD9A-31734F7D5F74}">
+  <ds:schemaRefs>
+    <ds:schemaRef ds:uri="97c96d0e-3f8a-42a8-8ffa-fbfa9e9644cf"/>
+    <ds:schemaRef ds:uri="a4572db6-b7f5-484f-9ea2-c08787a26cc9"/>
+    <ds:schemaRef ds:uri="http://purl.org/dc/dcmitype/"/>
+    <ds:schemaRef ds:uri="http://purl.org/dc/elements/1.1/"/>
+    <ds:schemaRef ds:uri="http://purl.org/dc/terms/"/>
+    <ds:schemaRef ds:uri="http://schemas.microsoft.com/office/2006/documentManagement/types"/>
+    <ds:schemaRef ds:uri="http://schemas.microsoft.com/office/2006/metadata/properties"/>
+    <ds:schemaRef ds:uri="http://schemas.microsoft.com/office/infopath/2007/PartnerControls"/>
+    <ds:schemaRef ds:uri="http://schemas.openxmlformats.org/package/2006/metadata/core-properties"/>
+    <ds:schemaRef ds:uri="http://www.w3.org/XML/1998/namespace"/>
+  </ds:schemaRefs>
+</ds:datastoreItem>
 </file>
 
-<file path=customXml/item3.xml><?xml version="1.0" encoding="utf-8"?>
-<p:properties xmlns:p="http://schemas.microsoft.com/office/2006/metadata/properties" xmlns:xsi="http://www.w3.org/2001/XMLSchema-instance" xmlns:pc="http://schemas.microsoft.com/office/infopath/2007/PartnerControls">
-  <documentManagement/>
-</p:properties>
+<file path=customXml/itemProps2.xml><?xml version="1.0" encoding="utf-8"?>
+<ds:datastoreItem xmlns:ds="http://schemas.openxmlformats.org/officeDocument/2006/customXml" ds:itemID="{60F6EE63-669B-493E-B68A-5FFA28B825B3}">
+  <ds:schemaRefs>
+    <ds:schemaRef ds:uri="http://schemas.microsoft.com/sharepoint/v3/contenttype/forms"/>
+  </ds:schemaRefs>
+</ds:datastoreItem>
 </file>
 
-<file path=customXml/itemProps1.xml><?xml version="1.0" encoding="utf-8"?>
+<file path=customXml/itemProps3.xml><?xml version="1.0" encoding="utf-8"?>
 <ds:datastoreItem xmlns:ds="http://schemas.openxmlformats.org/officeDocument/2006/customXml" ds:itemID="{4727D182-F02C-4932-9726-3F88BBE20EEB}">
   <ds:schemaRefs>
     <ds:schemaRef ds:uri="97c96d0e-3f8a-42a8-8ffa-fbfa9e9644cf"/>
@@ -3726,29 +3768,4 @@
     <ds:schemaRef ds:uri="http://www.w3.org/2001/XMLSchema"/>
   </ds:schemaRefs>
 </ds:datastoreItem>
-</file>
-
-<file path=customXml/itemProps2.xml><?xml version="1.0" encoding="utf-8"?>
-<ds:datastoreItem xmlns:ds="http://schemas.openxmlformats.org/officeDocument/2006/customXml" ds:itemID="{60F6EE63-669B-493E-B68A-5FFA28B825B3}">
-  <ds:schemaRefs>
-    <ds:schemaRef ds:uri="http://schemas.microsoft.com/sharepoint/v3/contenttype/forms"/>
-  </ds:schemaRefs>
-</ds:datastoreItem>
-</file>
-
-<file path=customXml/itemProps3.xml><?xml version="1.0" encoding="utf-8"?>
-<ds:datastoreItem xmlns:ds="http://schemas.openxmlformats.org/officeDocument/2006/customXml" ds:itemID="{7F08A2C0-C0A5-4CB4-BD9A-31734F7D5F74}">
-  <ds:schemaRefs>
-    <ds:schemaRef ds:uri="97c96d0e-3f8a-42a8-8ffa-fbfa9e9644cf"/>
-    <ds:schemaRef ds:uri="a4572db6-b7f5-484f-9ea2-c08787a26cc9"/>
-    <ds:schemaRef ds:uri="http://purl.org/dc/dcmitype/"/>
-    <ds:schemaRef ds:uri="http://purl.org/dc/elements/1.1/"/>
-    <ds:schemaRef ds:uri="http://purl.org/dc/terms/"/>
-    <ds:schemaRef ds:uri="http://schemas.microsoft.com/office/2006/documentManagement/types"/>
-    <ds:schemaRef ds:uri="http://schemas.microsoft.com/office/2006/metadata/properties"/>
-    <ds:schemaRef ds:uri="http://schemas.microsoft.com/office/infopath/2007/PartnerControls"/>
-    <ds:schemaRef ds:uri="http://schemas.openxmlformats.org/package/2006/metadata/core-properties"/>
-    <ds:schemaRef ds:uri="http://www.w3.org/XML/1998/namespace"/>
-  </ds:schemaRefs>
-</ds:datastoreItem>
 </file>